--- a/doc/spring-security.pptx
+++ b/doc/spring-security.pptx
@@ -5,10 +5,14 @@
     <p:sldMasterId id="2147483660" r:id="rId1"/>
   </p:sldMasterIdLst>
   <p:sldIdLst>
-    <p:sldId id="258" r:id="rId2"/>
-    <p:sldId id="257" r:id="rId3"/>
-    <p:sldId id="259" r:id="rId4"/>
-    <p:sldId id="260" r:id="rId5"/>
+    <p:sldId id="261" r:id="rId2"/>
+    <p:sldId id="262" r:id="rId3"/>
+    <p:sldId id="258" r:id="rId4"/>
+    <p:sldId id="259" r:id="rId5"/>
+    <p:sldId id="263" r:id="rId6"/>
+    <p:sldId id="257" r:id="rId7"/>
+    <p:sldId id="260" r:id="rId8"/>
+    <p:sldId id="265" r:id="rId9"/>
   </p:sldIdLst>
   <p:sldSz cx="12192000" cy="6858000"/>
   <p:notesSz cx="6858000" cy="9144000"/>
@@ -107,6 +111,11 @@
       </a:defRPr>
     </a:lvl9pPr>
   </p:defaultTextStyle>
+  <p:extLst>
+    <p:ext uri="{EFAFB233-063F-42B5-8137-9DF3F51BA10A}">
+      <p15:sldGuideLst xmlns:p15="http://schemas.microsoft.com/office/powerpoint/2012/main"/>
+    </p:ext>
+  </p:extLst>
 </p:presentation>
 </file>
 
@@ -296,7 +305,7 @@
           <a:p>
             <a:fld id="{D4C5608A-A492-4B89-87EB-01080B89E6C2}" type="datetimeFigureOut">
               <a:rPr lang="en-GB" smtClean="0"/>
-              <a:t>14/10/2015</a:t>
+              <a:t>19/10/2015</a:t>
             </a:fld>
             <a:endParaRPr lang="en-GB"/>
           </a:p>
@@ -571,7 +580,7 @@
           <a:p>
             <a:fld id="{D4C5608A-A492-4B89-87EB-01080B89E6C2}" type="datetimeFigureOut">
               <a:rPr lang="en-GB" smtClean="0"/>
-              <a:t>14/10/2015</a:t>
+              <a:t>19/10/2015</a:t>
             </a:fld>
             <a:endParaRPr lang="en-GB"/>
           </a:p>
@@ -765,7 +774,7 @@
           <a:p>
             <a:fld id="{D4C5608A-A492-4B89-87EB-01080B89E6C2}" type="datetimeFigureOut">
               <a:rPr lang="en-GB" smtClean="0"/>
-              <a:t>14/10/2015</a:t>
+              <a:t>19/10/2015</a:t>
             </a:fld>
             <a:endParaRPr lang="en-GB"/>
           </a:p>
@@ -1038,7 +1047,7 @@
           <a:p>
             <a:fld id="{D4C5608A-A492-4B89-87EB-01080B89E6C2}" type="datetimeFigureOut">
               <a:rPr lang="en-GB" smtClean="0"/>
-              <a:t>14/10/2015</a:t>
+              <a:t>19/10/2015</a:t>
             </a:fld>
             <a:endParaRPr lang="en-GB"/>
           </a:p>
@@ -1379,7 +1388,7 @@
           <a:p>
             <a:fld id="{D4C5608A-A492-4B89-87EB-01080B89E6C2}" type="datetimeFigureOut">
               <a:rPr lang="en-GB" smtClean="0"/>
-              <a:t>14/10/2015</a:t>
+              <a:t>19/10/2015</a:t>
             </a:fld>
             <a:endParaRPr lang="en-GB"/>
           </a:p>
@@ -2002,7 +2011,7 @@
           <a:p>
             <a:fld id="{D4C5608A-A492-4B89-87EB-01080B89E6C2}" type="datetimeFigureOut">
               <a:rPr lang="en-GB" smtClean="0"/>
-              <a:t>14/10/2015</a:t>
+              <a:t>19/10/2015</a:t>
             </a:fld>
             <a:endParaRPr lang="en-GB"/>
           </a:p>
@@ -2862,7 +2871,7 @@
           <a:p>
             <a:fld id="{D4C5608A-A492-4B89-87EB-01080B89E6C2}" type="datetimeFigureOut">
               <a:rPr lang="en-GB" smtClean="0"/>
-              <a:t>14/10/2015</a:t>
+              <a:t>19/10/2015</a:t>
             </a:fld>
             <a:endParaRPr lang="en-GB"/>
           </a:p>
@@ -3032,7 +3041,7 @@
           <a:p>
             <a:fld id="{D4C5608A-A492-4B89-87EB-01080B89E6C2}" type="datetimeFigureOut">
               <a:rPr lang="en-GB" smtClean="0"/>
-              <a:t>14/10/2015</a:t>
+              <a:t>19/10/2015</a:t>
             </a:fld>
             <a:endParaRPr lang="en-GB"/>
           </a:p>
@@ -3212,7 +3221,7 @@
           <a:p>
             <a:fld id="{D4C5608A-A492-4B89-87EB-01080B89E6C2}" type="datetimeFigureOut">
               <a:rPr lang="en-GB" smtClean="0"/>
-              <a:t>14/10/2015</a:t>
+              <a:t>19/10/2015</a:t>
             </a:fld>
             <a:endParaRPr lang="en-GB"/>
           </a:p>
@@ -3382,7 +3391,7 @@
           <a:p>
             <a:fld id="{D4C5608A-A492-4B89-87EB-01080B89E6C2}" type="datetimeFigureOut">
               <a:rPr lang="en-GB" smtClean="0"/>
-              <a:t>14/10/2015</a:t>
+              <a:t>19/10/2015</a:t>
             </a:fld>
             <a:endParaRPr lang="en-GB"/>
           </a:p>
@@ -3629,7 +3638,7 @@
           <a:p>
             <a:fld id="{D4C5608A-A492-4B89-87EB-01080B89E6C2}" type="datetimeFigureOut">
               <a:rPr lang="en-GB" smtClean="0"/>
-              <a:t>14/10/2015</a:t>
+              <a:t>19/10/2015</a:t>
             </a:fld>
             <a:endParaRPr lang="en-GB"/>
           </a:p>
@@ -3921,7 +3930,7 @@
           <a:p>
             <a:fld id="{D4C5608A-A492-4B89-87EB-01080B89E6C2}" type="datetimeFigureOut">
               <a:rPr lang="en-GB" smtClean="0"/>
-              <a:t>14/10/2015</a:t>
+              <a:t>19/10/2015</a:t>
             </a:fld>
             <a:endParaRPr lang="en-GB"/>
           </a:p>
@@ -4365,7 +4374,7 @@
           <a:p>
             <a:fld id="{D4C5608A-A492-4B89-87EB-01080B89E6C2}" type="datetimeFigureOut">
               <a:rPr lang="en-GB" smtClean="0"/>
-              <a:t>14/10/2015</a:t>
+              <a:t>19/10/2015</a:t>
             </a:fld>
             <a:endParaRPr lang="en-GB"/>
           </a:p>
@@ -4483,7 +4492,7 @@
           <a:p>
             <a:fld id="{D4C5608A-A492-4B89-87EB-01080B89E6C2}" type="datetimeFigureOut">
               <a:rPr lang="en-GB" smtClean="0"/>
-              <a:t>14/10/2015</a:t>
+              <a:t>19/10/2015</a:t>
             </a:fld>
             <a:endParaRPr lang="en-GB"/>
           </a:p>
@@ -4578,7 +4587,7 @@
           <a:p>
             <a:fld id="{D4C5608A-A492-4B89-87EB-01080B89E6C2}" type="datetimeFigureOut">
               <a:rPr lang="en-GB" smtClean="0"/>
-              <a:t>14/10/2015</a:t>
+              <a:t>19/10/2015</a:t>
             </a:fld>
             <a:endParaRPr lang="en-GB"/>
           </a:p>
@@ -4857,7 +4866,7 @@
           <a:p>
             <a:fld id="{D4C5608A-A492-4B89-87EB-01080B89E6C2}" type="datetimeFigureOut">
               <a:rPr lang="en-GB" smtClean="0"/>
-              <a:t>14/10/2015</a:t>
+              <a:t>19/10/2015</a:t>
             </a:fld>
             <a:endParaRPr lang="en-GB"/>
           </a:p>
@@ -5132,7 +5141,7 @@
           <a:p>
             <a:fld id="{D4C5608A-A492-4B89-87EB-01080B89E6C2}" type="datetimeFigureOut">
               <a:rPr lang="en-GB" smtClean="0"/>
-              <a:t>14/10/2015</a:t>
+              <a:t>19/10/2015</a:t>
             </a:fld>
             <a:endParaRPr lang="en-GB"/>
           </a:p>
@@ -5561,7 +5570,7 @@
           <a:p>
             <a:fld id="{D4C5608A-A492-4B89-87EB-01080B89E6C2}" type="datetimeFigureOut">
               <a:rPr lang="en-GB" smtClean="0"/>
-              <a:t>14/10/2015</a:t>
+              <a:t>19/10/2015</a:t>
             </a:fld>
             <a:endParaRPr lang="en-GB"/>
           </a:p>
@@ -6099,220 +6108,101 @@
             <p:ph type="title"/>
           </p:nvPr>
         </p:nvSpPr>
+        <p:spPr/>
+        <p:txBody>
+          <a:bodyPr/>
+          <a:lstStyle/>
+          <a:p>
+            <a:r>
+              <a:rPr lang="en-GB" dirty="0"/>
+              <a:t>Web </a:t>
+            </a:r>
+            <a:r>
+              <a:rPr lang="en-GB" dirty="0" err="1"/>
+              <a:t>Applicatioin</a:t>
+            </a:r>
+            <a:r>
+              <a:rPr lang="en-GB" dirty="0"/>
+              <a:t> Work </a:t>
+            </a:r>
+            <a:r>
+              <a:rPr lang="en-GB" dirty="0" smtClean="0"/>
+              <a:t>Flow</a:t>
+            </a:r>
+            <a:endParaRPr lang="en-GB" dirty="0"/>
+          </a:p>
+        </p:txBody>
+      </p:sp>
+      <p:sp>
+        <p:nvSpPr>
+          <p:cNvPr id="3" name="内容占位符 2"/>
+          <p:cNvSpPr>
+            <a:spLocks noGrp="1"/>
+          </p:cNvSpPr>
+          <p:nvPr>
+            <p:ph idx="1"/>
+          </p:nvPr>
+        </p:nvSpPr>
         <p:spPr>
           <a:xfrm>
-            <a:off x="871889" y="294673"/>
-            <a:ext cx="9404723" cy="777771"/>
+            <a:off x="646111" y="2052919"/>
+            <a:ext cx="10738813" cy="3549392"/>
           </a:xfrm>
         </p:spPr>
         <p:txBody>
-          <a:bodyPr/>
-          <a:lstStyle/>
-          <a:p>
-            <a:r>
-              <a:rPr lang="en-GB" dirty="0" smtClean="0"/>
-              <a:t>pom.xml</a:t>
-            </a:r>
-            <a:endParaRPr lang="en-GB" dirty="0"/>
-          </a:p>
-        </p:txBody>
-      </p:sp>
-      <p:sp>
-        <p:nvSpPr>
-          <p:cNvPr id="3" name="内容占位符 2"/>
-          <p:cNvSpPr>
-            <a:spLocks noGrp="1"/>
-          </p:cNvSpPr>
-          <p:nvPr>
-            <p:ph idx="1"/>
-          </p:nvPr>
-        </p:nvSpPr>
-        <p:spPr>
-          <a:xfrm>
-            <a:off x="778934" y="1377247"/>
-            <a:ext cx="9270920" cy="5175955"/>
-          </a:xfrm>
-        </p:spPr>
-        <p:txBody>
           <a:bodyPr>
-            <a:normAutofit fontScale="92500" lnSpcReduction="10000"/>
+            <a:normAutofit/>
           </a:bodyPr>
           <a:lstStyle/>
           <a:p>
             <a:r>
-              <a:rPr lang="en-GB" dirty="0"/>
-              <a:t>&lt;dependencies&gt;</a:t>
-            </a:r>
-          </a:p>
-          <a:p>
-            <a:r>
-              <a:rPr lang="en-GB" dirty="0"/>
-              <a:t>  &lt;!-- ... other dependency elements ... --&gt;</a:t>
-            </a:r>
-          </a:p>
-          <a:p>
-            <a:r>
-              <a:rPr lang="en-GB" dirty="0"/>
-              <a:t>  &lt;dependency&gt;</a:t>
-            </a:r>
-          </a:p>
-          <a:p>
-            <a:r>
-              <a:rPr lang="en-GB" dirty="0"/>
-              <a:t>    &lt;</a:t>
-            </a:r>
-            <a:r>
-              <a:rPr lang="en-GB" dirty="0" err="1"/>
-              <a:t>groupId</a:t>
-            </a:r>
-            <a:r>
-              <a:rPr lang="en-GB" dirty="0"/>
-              <a:t>&gt;</a:t>
-            </a:r>
-            <a:r>
-              <a:rPr lang="en-GB" dirty="0" err="1"/>
-              <a:t>org.springframework.security</a:t>
-            </a:r>
-            <a:r>
-              <a:rPr lang="en-GB" dirty="0"/>
-              <a:t>&lt;/</a:t>
-            </a:r>
-            <a:r>
-              <a:rPr lang="en-GB" dirty="0" err="1"/>
-              <a:t>groupId</a:t>
-            </a:r>
-            <a:r>
-              <a:rPr lang="en-GB" dirty="0"/>
-              <a:t>&gt;</a:t>
-            </a:r>
-          </a:p>
-          <a:p>
-            <a:r>
-              <a:rPr lang="en-GB" dirty="0"/>
-              <a:t>    &lt;</a:t>
-            </a:r>
-            <a:r>
-              <a:rPr lang="en-GB" dirty="0" err="1"/>
-              <a:t>artifactId</a:t>
-            </a:r>
-            <a:r>
-              <a:rPr lang="en-GB" dirty="0"/>
-              <a:t>&gt;spring-security-web&lt;/</a:t>
-            </a:r>
-            <a:r>
-              <a:rPr lang="en-GB" dirty="0" err="1"/>
-              <a:t>artifactId</a:t>
-            </a:r>
-            <a:r>
-              <a:rPr lang="en-GB" dirty="0"/>
-              <a:t>&gt;</a:t>
-            </a:r>
-          </a:p>
-          <a:p>
-            <a:r>
-              <a:rPr lang="en-GB" dirty="0"/>
-              <a:t>    &lt;version&gt;4.0.2.RELEASE&lt;/version&gt;</a:t>
-            </a:r>
-          </a:p>
-          <a:p>
-            <a:r>
-              <a:rPr lang="en-GB" dirty="0"/>
-              <a:t>  &lt;/dependency&gt;</a:t>
-            </a:r>
-          </a:p>
-          <a:p>
-            <a:r>
-              <a:rPr lang="en-GB" dirty="0"/>
-              <a:t>  &lt;dependency&gt;</a:t>
-            </a:r>
-          </a:p>
-          <a:p>
-            <a:r>
-              <a:rPr lang="en-GB" dirty="0"/>
-              <a:t>    &lt;</a:t>
-            </a:r>
-            <a:r>
-              <a:rPr lang="en-GB" dirty="0" err="1"/>
-              <a:t>groupId</a:t>
-            </a:r>
-            <a:r>
-              <a:rPr lang="en-GB" dirty="0"/>
-              <a:t>&gt;</a:t>
-            </a:r>
-            <a:r>
-              <a:rPr lang="en-GB" dirty="0" err="1"/>
-              <a:t>org.springframework.security</a:t>
-            </a:r>
-            <a:r>
-              <a:rPr lang="en-GB" dirty="0"/>
-              <a:t>&lt;/</a:t>
-            </a:r>
-            <a:r>
-              <a:rPr lang="en-GB" dirty="0" err="1"/>
-              <a:t>groupId</a:t>
-            </a:r>
-            <a:r>
-              <a:rPr lang="en-GB" dirty="0"/>
-              <a:t>&gt;</a:t>
-            </a:r>
-          </a:p>
-          <a:p>
-            <a:r>
-              <a:rPr lang="en-GB" dirty="0"/>
-              <a:t>    &lt;</a:t>
-            </a:r>
-            <a:r>
-              <a:rPr lang="en-GB" dirty="0" err="1"/>
-              <a:t>artifactId</a:t>
-            </a:r>
-            <a:r>
-              <a:rPr lang="en-GB" dirty="0"/>
-              <a:t>&gt;spring-security-</a:t>
-            </a:r>
-            <a:r>
-              <a:rPr lang="en-GB" dirty="0" err="1"/>
-              <a:t>config</a:t>
-            </a:r>
-            <a:r>
-              <a:rPr lang="en-GB" dirty="0"/>
-              <a:t>&lt;/</a:t>
-            </a:r>
-            <a:r>
-              <a:rPr lang="en-GB" dirty="0" err="1"/>
-              <a:t>artifactId</a:t>
-            </a:r>
-            <a:r>
-              <a:rPr lang="en-GB" dirty="0"/>
-              <a:t>&gt;</a:t>
-            </a:r>
-          </a:p>
-          <a:p>
-            <a:r>
-              <a:rPr lang="en-GB" dirty="0"/>
-              <a:t>    &lt;version&gt;4.0.2.RELEASE&lt;/version&gt;</a:t>
-            </a:r>
-          </a:p>
-          <a:p>
-            <a:r>
-              <a:rPr lang="en-GB" dirty="0"/>
-              <a:t>  &lt;/dependency&gt;</a:t>
-            </a:r>
-          </a:p>
-          <a:p>
-            <a:r>
-              <a:rPr lang="en-GB" dirty="0"/>
-              <a:t>&lt;/dependencies&gt;</a:t>
-            </a:r>
-          </a:p>
-          <a:p>
-            <a:endParaRPr lang="en-GB" dirty="0"/>
+              <a:rPr lang="en-GB" sz="3200" dirty="0" smtClean="0"/>
+              <a:t>1</a:t>
+            </a:r>
+            <a:r>
+              <a:rPr lang="en-GB" sz="3200" dirty="0"/>
+              <a:t>. How request is processed and response is sent	</a:t>
+            </a:r>
+            <a:endParaRPr lang="en-GB" sz="3200" dirty="0" smtClean="0"/>
+          </a:p>
+          <a:p>
+            <a:endParaRPr lang="en-GB" sz="3200" dirty="0" smtClean="0"/>
+          </a:p>
+          <a:p>
+            <a:r>
+              <a:rPr lang="en-GB" sz="3200" dirty="0" smtClean="0"/>
+              <a:t>2</a:t>
+            </a:r>
+            <a:r>
+              <a:rPr lang="en-GB" sz="3200" dirty="0"/>
+              <a:t>. How Filters work	</a:t>
+            </a:r>
+            <a:endParaRPr lang="en-GB" sz="3200" dirty="0" smtClean="0"/>
+          </a:p>
+          <a:p>
+            <a:endParaRPr lang="en-GB" sz="3200" dirty="0" smtClean="0"/>
+          </a:p>
+          <a:p>
+            <a:r>
+              <a:rPr lang="en-GB" sz="3200" dirty="0" smtClean="0"/>
+              <a:t>3</a:t>
+            </a:r>
+            <a:r>
+              <a:rPr lang="en-GB" sz="3200" dirty="0"/>
+              <a:t>. Spring security filters and </a:t>
+            </a:r>
+            <a:r>
+              <a:rPr lang="en-GB" sz="3200" dirty="0" err="1"/>
+              <a:t>FilterChain</a:t>
+            </a:r>
+            <a:endParaRPr lang="en-GB" sz="3200" dirty="0"/>
           </a:p>
         </p:txBody>
       </p:sp>
     </p:spTree>
     <p:extLst>
       <p:ext uri="{BB962C8B-B14F-4D97-AF65-F5344CB8AC3E}">
-        <p14:creationId xmlns:p14="http://schemas.microsoft.com/office/powerpoint/2010/main" val="2011444982"/>
+        <p14:creationId xmlns:p14="http://schemas.microsoft.com/office/powerpoint/2010/main" val="939208328"/>
       </p:ext>
     </p:extLst>
   </p:cSld>
@@ -6349,6 +6239,648 @@
             <p:ph type="title"/>
           </p:nvPr>
         </p:nvSpPr>
+        <p:spPr/>
+        <p:txBody>
+          <a:bodyPr/>
+          <a:lstStyle/>
+          <a:p>
+            <a:r>
+              <a:rPr lang="en-GB" dirty="0" smtClean="0"/>
+              <a:t>Download and Install</a:t>
+            </a:r>
+            <a:endParaRPr lang="en-GB" dirty="0"/>
+          </a:p>
+        </p:txBody>
+      </p:sp>
+      <p:sp>
+        <p:nvSpPr>
+          <p:cNvPr id="3" name="内容占位符 2"/>
+          <p:cNvSpPr>
+            <a:spLocks noGrp="1"/>
+          </p:cNvSpPr>
+          <p:nvPr>
+            <p:ph idx="1"/>
+          </p:nvPr>
+        </p:nvSpPr>
+        <p:spPr>
+          <a:xfrm>
+            <a:off x="646111" y="2052918"/>
+            <a:ext cx="11009269" cy="4195481"/>
+          </a:xfrm>
+        </p:spPr>
+        <p:txBody>
+          <a:bodyPr>
+            <a:normAutofit/>
+          </a:bodyPr>
+          <a:lstStyle/>
+          <a:p>
+            <a:r>
+              <a:rPr lang="en-GB" sz="2800" dirty="0" smtClean="0"/>
+              <a:t>1</a:t>
+            </a:r>
+            <a:r>
+              <a:rPr lang="en-GB" sz="2800" dirty="0"/>
+              <a:t>. download and install git: https://git-scm.com/download/win	</a:t>
+            </a:r>
+            <a:endParaRPr lang="en-GB" sz="2800" dirty="0" smtClean="0"/>
+          </a:p>
+          <a:p>
+            <a:endParaRPr lang="en-GB" sz="2800" dirty="0"/>
+          </a:p>
+          <a:p>
+            <a:r>
+              <a:rPr lang="en-GB" sz="2800" dirty="0" smtClean="0"/>
+              <a:t>2</a:t>
+            </a:r>
+            <a:r>
+              <a:rPr lang="en-GB" sz="2800" dirty="0"/>
+              <a:t>. download and install tomcat 8	</a:t>
+            </a:r>
+            <a:endParaRPr lang="en-GB" sz="2800" dirty="0" smtClean="0"/>
+          </a:p>
+          <a:p>
+            <a:endParaRPr lang="en-GB" sz="2800" dirty="0"/>
+          </a:p>
+          <a:p>
+            <a:r>
+              <a:rPr lang="en-GB" sz="2800" dirty="0" smtClean="0"/>
+              <a:t>3</a:t>
+            </a:r>
+            <a:r>
+              <a:rPr lang="en-GB" sz="2800" dirty="0"/>
+              <a:t>. checkout project: git clone -b dev --single-branch https://github.com/lyifan/jsct.git	</a:t>
+            </a:r>
+          </a:p>
+        </p:txBody>
+      </p:sp>
+    </p:spTree>
+    <p:extLst>
+      <p:ext uri="{BB962C8B-B14F-4D97-AF65-F5344CB8AC3E}">
+        <p14:creationId xmlns:p14="http://schemas.microsoft.com/office/powerpoint/2010/main" val="796766851"/>
+      </p:ext>
+    </p:extLst>
+  </p:cSld>
+  <p:clrMapOvr>
+    <a:masterClrMapping/>
+  </p:clrMapOvr>
+</p:sld>
+</file>
+
+<file path=ppt/slides/slide3.xml><?xml version="1.0" encoding="utf-8"?>
+<p:sld xmlns:a="http://schemas.openxmlformats.org/drawingml/2006/main" xmlns:r="http://schemas.openxmlformats.org/officeDocument/2006/relationships" xmlns:p="http://schemas.openxmlformats.org/presentationml/2006/main">
+  <p:cSld>
+    <p:spTree>
+      <p:nvGrpSpPr>
+        <p:cNvPr id="1" name=""/>
+        <p:cNvGrpSpPr/>
+        <p:nvPr/>
+      </p:nvGrpSpPr>
+      <p:grpSpPr>
+        <a:xfrm>
+          <a:off x="0" y="0"/>
+          <a:ext cx="0" cy="0"/>
+          <a:chOff x="0" y="0"/>
+          <a:chExt cx="0" cy="0"/>
+        </a:xfrm>
+      </p:grpSpPr>
+      <p:sp>
+        <p:nvSpPr>
+          <p:cNvPr id="2" name="标题 1"/>
+          <p:cNvSpPr>
+            <a:spLocks noGrp="1"/>
+          </p:cNvSpPr>
+          <p:nvPr>
+            <p:ph type="title"/>
+          </p:nvPr>
+        </p:nvSpPr>
+        <p:spPr>
+          <a:xfrm>
+            <a:off x="871889" y="294673"/>
+            <a:ext cx="9404723" cy="777771"/>
+          </a:xfrm>
+        </p:spPr>
+        <p:txBody>
+          <a:bodyPr/>
+          <a:lstStyle/>
+          <a:p>
+            <a:r>
+              <a:rPr lang="en-GB" dirty="0" smtClean="0"/>
+              <a:t>pom.xml</a:t>
+            </a:r>
+            <a:endParaRPr lang="en-GB" dirty="0"/>
+          </a:p>
+        </p:txBody>
+      </p:sp>
+      <p:sp>
+        <p:nvSpPr>
+          <p:cNvPr id="3" name="内容占位符 2"/>
+          <p:cNvSpPr>
+            <a:spLocks noGrp="1"/>
+          </p:cNvSpPr>
+          <p:nvPr>
+            <p:ph idx="1"/>
+          </p:nvPr>
+        </p:nvSpPr>
+        <p:spPr>
+          <a:xfrm>
+            <a:off x="778934" y="1377247"/>
+            <a:ext cx="9270920" cy="5175955"/>
+          </a:xfrm>
+        </p:spPr>
+        <p:txBody>
+          <a:bodyPr>
+            <a:normAutofit fontScale="92500" lnSpcReduction="10000"/>
+          </a:bodyPr>
+          <a:lstStyle/>
+          <a:p>
+            <a:r>
+              <a:rPr lang="en-GB" dirty="0"/>
+              <a:t>&lt;dependencies&gt;</a:t>
+            </a:r>
+          </a:p>
+          <a:p>
+            <a:r>
+              <a:rPr lang="en-GB" dirty="0"/>
+              <a:t>  &lt;!-- ... other dependency elements ... --&gt;</a:t>
+            </a:r>
+          </a:p>
+          <a:p>
+            <a:r>
+              <a:rPr lang="en-GB" dirty="0"/>
+              <a:t>  &lt;dependency&gt;</a:t>
+            </a:r>
+          </a:p>
+          <a:p>
+            <a:r>
+              <a:rPr lang="en-GB" dirty="0"/>
+              <a:t>    &lt;</a:t>
+            </a:r>
+            <a:r>
+              <a:rPr lang="en-GB" dirty="0" err="1"/>
+              <a:t>groupId</a:t>
+            </a:r>
+            <a:r>
+              <a:rPr lang="en-GB" dirty="0"/>
+              <a:t>&gt;</a:t>
+            </a:r>
+            <a:r>
+              <a:rPr lang="en-GB" dirty="0" err="1"/>
+              <a:t>org.springframework.security</a:t>
+            </a:r>
+            <a:r>
+              <a:rPr lang="en-GB" dirty="0"/>
+              <a:t>&lt;/</a:t>
+            </a:r>
+            <a:r>
+              <a:rPr lang="en-GB" dirty="0" err="1"/>
+              <a:t>groupId</a:t>
+            </a:r>
+            <a:r>
+              <a:rPr lang="en-GB" dirty="0"/>
+              <a:t>&gt;</a:t>
+            </a:r>
+          </a:p>
+          <a:p>
+            <a:r>
+              <a:rPr lang="en-GB" dirty="0"/>
+              <a:t>    &lt;</a:t>
+            </a:r>
+            <a:r>
+              <a:rPr lang="en-GB" dirty="0" err="1"/>
+              <a:t>artifactId</a:t>
+            </a:r>
+            <a:r>
+              <a:rPr lang="en-GB" dirty="0"/>
+              <a:t>&gt;spring-security-web&lt;/</a:t>
+            </a:r>
+            <a:r>
+              <a:rPr lang="en-GB" dirty="0" err="1"/>
+              <a:t>artifactId</a:t>
+            </a:r>
+            <a:r>
+              <a:rPr lang="en-GB" dirty="0"/>
+              <a:t>&gt;</a:t>
+            </a:r>
+          </a:p>
+          <a:p>
+            <a:r>
+              <a:rPr lang="en-GB" dirty="0"/>
+              <a:t>    &lt;version&gt;4.0.2.RELEASE&lt;/version&gt;</a:t>
+            </a:r>
+          </a:p>
+          <a:p>
+            <a:r>
+              <a:rPr lang="en-GB" dirty="0"/>
+              <a:t>  &lt;/dependency&gt;</a:t>
+            </a:r>
+          </a:p>
+          <a:p>
+            <a:r>
+              <a:rPr lang="en-GB" dirty="0"/>
+              <a:t>  &lt;dependency&gt;</a:t>
+            </a:r>
+          </a:p>
+          <a:p>
+            <a:r>
+              <a:rPr lang="en-GB" dirty="0"/>
+              <a:t>    &lt;</a:t>
+            </a:r>
+            <a:r>
+              <a:rPr lang="en-GB" dirty="0" err="1"/>
+              <a:t>groupId</a:t>
+            </a:r>
+            <a:r>
+              <a:rPr lang="en-GB" dirty="0"/>
+              <a:t>&gt;</a:t>
+            </a:r>
+            <a:r>
+              <a:rPr lang="en-GB" dirty="0" err="1"/>
+              <a:t>org.springframework.security</a:t>
+            </a:r>
+            <a:r>
+              <a:rPr lang="en-GB" dirty="0"/>
+              <a:t>&lt;/</a:t>
+            </a:r>
+            <a:r>
+              <a:rPr lang="en-GB" dirty="0" err="1"/>
+              <a:t>groupId</a:t>
+            </a:r>
+            <a:r>
+              <a:rPr lang="en-GB" dirty="0"/>
+              <a:t>&gt;</a:t>
+            </a:r>
+          </a:p>
+          <a:p>
+            <a:r>
+              <a:rPr lang="en-GB" dirty="0"/>
+              <a:t>    &lt;</a:t>
+            </a:r>
+            <a:r>
+              <a:rPr lang="en-GB" dirty="0" err="1"/>
+              <a:t>artifactId</a:t>
+            </a:r>
+            <a:r>
+              <a:rPr lang="en-GB" dirty="0"/>
+              <a:t>&gt;spring-security-</a:t>
+            </a:r>
+            <a:r>
+              <a:rPr lang="en-GB" dirty="0" err="1"/>
+              <a:t>config</a:t>
+            </a:r>
+            <a:r>
+              <a:rPr lang="en-GB" dirty="0"/>
+              <a:t>&lt;/</a:t>
+            </a:r>
+            <a:r>
+              <a:rPr lang="en-GB" dirty="0" err="1"/>
+              <a:t>artifactId</a:t>
+            </a:r>
+            <a:r>
+              <a:rPr lang="en-GB" dirty="0"/>
+              <a:t>&gt;</a:t>
+            </a:r>
+          </a:p>
+          <a:p>
+            <a:r>
+              <a:rPr lang="en-GB" dirty="0"/>
+              <a:t>    &lt;version&gt;4.0.2.RELEASE&lt;/version&gt;</a:t>
+            </a:r>
+          </a:p>
+          <a:p>
+            <a:r>
+              <a:rPr lang="en-GB" dirty="0"/>
+              <a:t>  &lt;/dependency&gt;</a:t>
+            </a:r>
+          </a:p>
+          <a:p>
+            <a:r>
+              <a:rPr lang="en-GB" dirty="0"/>
+              <a:t>&lt;/dependencies&gt;</a:t>
+            </a:r>
+          </a:p>
+          <a:p>
+            <a:endParaRPr lang="en-GB" dirty="0"/>
+          </a:p>
+        </p:txBody>
+      </p:sp>
+    </p:spTree>
+    <p:extLst>
+      <p:ext uri="{BB962C8B-B14F-4D97-AF65-F5344CB8AC3E}">
+        <p14:creationId xmlns:p14="http://schemas.microsoft.com/office/powerpoint/2010/main" val="2011444982"/>
+      </p:ext>
+    </p:extLst>
+  </p:cSld>
+  <p:clrMapOvr>
+    <a:masterClrMapping/>
+  </p:clrMapOvr>
+</p:sld>
+</file>
+
+<file path=ppt/slides/slide4.xml><?xml version="1.0" encoding="utf-8"?>
+<p:sld xmlns:a="http://schemas.openxmlformats.org/drawingml/2006/main" xmlns:r="http://schemas.openxmlformats.org/officeDocument/2006/relationships" xmlns:p="http://schemas.openxmlformats.org/presentationml/2006/main">
+  <p:cSld>
+    <p:spTree>
+      <p:nvGrpSpPr>
+        <p:cNvPr id="1" name=""/>
+        <p:cNvGrpSpPr/>
+        <p:nvPr/>
+      </p:nvGrpSpPr>
+      <p:grpSpPr>
+        <a:xfrm>
+          <a:off x="0" y="0"/>
+          <a:ext cx="0" cy="0"/>
+          <a:chOff x="0" y="0"/>
+          <a:chExt cx="0" cy="0"/>
+        </a:xfrm>
+      </p:grpSpPr>
+      <p:sp>
+        <p:nvSpPr>
+          <p:cNvPr id="2" name="标题 1"/>
+          <p:cNvSpPr>
+            <a:spLocks noGrp="1"/>
+          </p:cNvSpPr>
+          <p:nvPr>
+            <p:ph type="title"/>
+          </p:nvPr>
+        </p:nvSpPr>
+        <p:spPr>
+          <a:xfrm>
+            <a:off x="646111" y="452718"/>
+            <a:ext cx="9404723" cy="789060"/>
+          </a:xfrm>
+        </p:spPr>
+        <p:txBody>
+          <a:bodyPr/>
+          <a:lstStyle/>
+          <a:p>
+            <a:r>
+              <a:rPr lang="en-GB" dirty="0"/>
+              <a:t>web.xml </a:t>
+            </a:r>
+            <a:r>
+              <a:rPr lang="en-GB" dirty="0" smtClean="0"/>
+              <a:t>– </a:t>
+            </a:r>
+            <a:r>
+              <a:rPr lang="en-GB" dirty="0" smtClean="0"/>
+              <a:t>1</a:t>
+            </a:r>
+            <a:endParaRPr lang="en-GB" dirty="0"/>
+          </a:p>
+        </p:txBody>
+      </p:sp>
+      <p:sp>
+        <p:nvSpPr>
+          <p:cNvPr id="4" name="内容占位符 2"/>
+          <p:cNvSpPr>
+            <a:spLocks noGrp="1"/>
+          </p:cNvSpPr>
+          <p:nvPr>
+            <p:ph idx="1"/>
+          </p:nvPr>
+        </p:nvSpPr>
+        <p:spPr>
+          <a:xfrm>
+            <a:off x="736422" y="1715910"/>
+            <a:ext cx="10411355" cy="3544711"/>
+          </a:xfrm>
+        </p:spPr>
+        <p:txBody>
+          <a:bodyPr>
+            <a:normAutofit/>
+          </a:bodyPr>
+          <a:lstStyle/>
+          <a:p>
+            <a:r>
+              <a:rPr lang="en-GB" dirty="0"/>
+              <a:t>&lt;filter&gt;</a:t>
+            </a:r>
+          </a:p>
+          <a:p>
+            <a:r>
+              <a:rPr lang="en-GB" dirty="0"/>
+              <a:t>&lt;filter-name&gt;</a:t>
+            </a:r>
+            <a:r>
+              <a:rPr lang="en-GB" dirty="0" err="1"/>
+              <a:t>springSecurityFilterChain</a:t>
+            </a:r>
+            <a:r>
+              <a:rPr lang="en-GB" dirty="0"/>
+              <a:t>&lt;/filter-name&gt;</a:t>
+            </a:r>
+          </a:p>
+          <a:p>
+            <a:r>
+              <a:rPr lang="en-GB" dirty="0"/>
+              <a:t>&lt;</a:t>
+            </a:r>
+            <a:r>
+              <a:rPr lang="en-GB" dirty="0" smtClean="0"/>
+              <a:t>filter-class&gt;</a:t>
+            </a:r>
+            <a:r>
+              <a:rPr lang="en-GB" dirty="0" err="1" smtClean="0"/>
+              <a:t>org.springframework.web.filter.DelegatingFilterProxy</a:t>
+            </a:r>
+            <a:r>
+              <a:rPr lang="en-GB" dirty="0"/>
+              <a:t>&lt;/filter-class&gt;</a:t>
+            </a:r>
+          </a:p>
+          <a:p>
+            <a:r>
+              <a:rPr lang="en-GB" dirty="0"/>
+              <a:t>&lt;/filter</a:t>
+            </a:r>
+            <a:r>
+              <a:rPr lang="en-GB" dirty="0" smtClean="0"/>
+              <a:t>&gt;</a:t>
+            </a:r>
+            <a:endParaRPr lang="en-GB" dirty="0"/>
+          </a:p>
+          <a:p>
+            <a:r>
+              <a:rPr lang="en-GB" dirty="0"/>
+              <a:t>&lt;filter-mapping&gt;</a:t>
+            </a:r>
+          </a:p>
+          <a:p>
+            <a:r>
+              <a:rPr lang="en-GB" dirty="0"/>
+              <a:t>&lt;filter-name&gt;</a:t>
+            </a:r>
+            <a:r>
+              <a:rPr lang="en-GB" dirty="0" err="1"/>
+              <a:t>springSecurityFilterChain</a:t>
+            </a:r>
+            <a:r>
+              <a:rPr lang="en-GB" dirty="0"/>
+              <a:t>&lt;/filter-name&gt;</a:t>
+            </a:r>
+          </a:p>
+          <a:p>
+            <a:r>
+              <a:rPr lang="en-GB" dirty="0"/>
+              <a:t>&lt;</a:t>
+            </a:r>
+            <a:r>
+              <a:rPr lang="en-GB" dirty="0" err="1"/>
+              <a:t>url</a:t>
+            </a:r>
+            <a:r>
+              <a:rPr lang="en-GB" dirty="0"/>
+              <a:t>-pattern&gt;/*&lt;/</a:t>
+            </a:r>
+            <a:r>
+              <a:rPr lang="en-GB" dirty="0" err="1"/>
+              <a:t>url</a:t>
+            </a:r>
+            <a:r>
+              <a:rPr lang="en-GB" dirty="0"/>
+              <a:t>-pattern&gt;</a:t>
+            </a:r>
+          </a:p>
+          <a:p>
+            <a:r>
+              <a:rPr lang="en-GB" dirty="0"/>
+              <a:t>&lt;/filter-mapping&gt;</a:t>
+            </a:r>
+          </a:p>
+        </p:txBody>
+      </p:sp>
+    </p:spTree>
+    <p:extLst>
+      <p:ext uri="{BB962C8B-B14F-4D97-AF65-F5344CB8AC3E}">
+        <p14:creationId xmlns:p14="http://schemas.microsoft.com/office/powerpoint/2010/main" val="1334436883"/>
+      </p:ext>
+    </p:extLst>
+  </p:cSld>
+  <p:clrMapOvr>
+    <a:masterClrMapping/>
+  </p:clrMapOvr>
+</p:sld>
+</file>
+
+<file path=ppt/slides/slide5.xml><?xml version="1.0" encoding="utf-8"?>
+<p:sld xmlns:a="http://schemas.openxmlformats.org/drawingml/2006/main" xmlns:r="http://schemas.openxmlformats.org/officeDocument/2006/relationships" xmlns:p="http://schemas.openxmlformats.org/presentationml/2006/main">
+  <p:cSld>
+    <p:spTree>
+      <p:nvGrpSpPr>
+        <p:cNvPr id="1" name=""/>
+        <p:cNvGrpSpPr/>
+        <p:nvPr/>
+      </p:nvGrpSpPr>
+      <p:grpSpPr>
+        <a:xfrm>
+          <a:off x="0" y="0"/>
+          <a:ext cx="0" cy="0"/>
+          <a:chOff x="0" y="0"/>
+          <a:chExt cx="0" cy="0"/>
+        </a:xfrm>
+      </p:grpSpPr>
+      <p:sp>
+        <p:nvSpPr>
+          <p:cNvPr id="2" name="标题 1"/>
+          <p:cNvSpPr>
+            <a:spLocks noGrp="1"/>
+          </p:cNvSpPr>
+          <p:nvPr>
+            <p:ph type="title"/>
+          </p:nvPr>
+        </p:nvSpPr>
+        <p:spPr>
+          <a:xfrm>
+            <a:off x="1264297" y="2603489"/>
+            <a:ext cx="9404723" cy="770776"/>
+          </a:xfrm>
+        </p:spPr>
+        <p:txBody>
+          <a:bodyPr/>
+          <a:lstStyle/>
+          <a:p>
+            <a:pPr algn="ctr"/>
+            <a:r>
+              <a:rPr lang="en-GB" dirty="0" smtClean="0"/>
+              <a:t>Start Tomcat</a:t>
+            </a:r>
+            <a:br>
+              <a:rPr lang="en-GB" dirty="0" smtClean="0"/>
+            </a:br>
+            <a:r>
+              <a:rPr lang="en-GB" dirty="0"/>
+              <a:t/>
+            </a:r>
+            <a:br>
+              <a:rPr lang="en-GB" dirty="0"/>
+            </a:br>
+            <a:r>
+              <a:rPr lang="en-GB" dirty="0">
+                <a:solidFill>
+                  <a:srgbClr val="92D050"/>
+                </a:solidFill>
+              </a:rPr>
+              <a:t>No bean named '</a:t>
+            </a:r>
+            <a:r>
+              <a:rPr lang="en-GB" dirty="0" err="1">
+                <a:solidFill>
+                  <a:srgbClr val="92D050"/>
+                </a:solidFill>
+              </a:rPr>
+              <a:t>springSecurityFilterChain</a:t>
+            </a:r>
+            <a:r>
+              <a:rPr lang="en-GB" dirty="0">
+                <a:solidFill>
+                  <a:srgbClr val="92D050"/>
+                </a:solidFill>
+              </a:rPr>
+              <a:t>' is defined</a:t>
+            </a:r>
+          </a:p>
+        </p:txBody>
+      </p:sp>
+    </p:spTree>
+    <p:extLst>
+      <p:ext uri="{BB962C8B-B14F-4D97-AF65-F5344CB8AC3E}">
+        <p14:creationId xmlns:p14="http://schemas.microsoft.com/office/powerpoint/2010/main" val="1625576594"/>
+      </p:ext>
+    </p:extLst>
+  </p:cSld>
+  <p:clrMapOvr>
+    <a:masterClrMapping/>
+  </p:clrMapOvr>
+</p:sld>
+</file>
+
+<file path=ppt/slides/slide6.xml><?xml version="1.0" encoding="utf-8"?>
+<p:sld xmlns:a="http://schemas.openxmlformats.org/drawingml/2006/main" xmlns:r="http://schemas.openxmlformats.org/officeDocument/2006/relationships" xmlns:p="http://schemas.openxmlformats.org/presentationml/2006/main">
+  <p:cSld>
+    <p:spTree>
+      <p:nvGrpSpPr>
+        <p:cNvPr id="1" name=""/>
+        <p:cNvGrpSpPr/>
+        <p:nvPr/>
+      </p:nvGrpSpPr>
+      <p:grpSpPr>
+        <a:xfrm>
+          <a:off x="0" y="0"/>
+          <a:ext cx="0" cy="0"/>
+          <a:chOff x="0" y="0"/>
+          <a:chExt cx="0" cy="0"/>
+        </a:xfrm>
+      </p:grpSpPr>
+      <p:sp>
+        <p:nvSpPr>
+          <p:cNvPr id="2" name="标题 1"/>
+          <p:cNvSpPr>
+            <a:spLocks noGrp="1"/>
+          </p:cNvSpPr>
+          <p:nvPr>
+            <p:ph type="title"/>
+          </p:nvPr>
+        </p:nvSpPr>
         <p:spPr>
           <a:xfrm>
             <a:off x="646111" y="452718"/>
@@ -6361,7 +6893,11 @@
           <a:p>
             <a:r>
               <a:rPr lang="en-GB" dirty="0" smtClean="0"/>
-              <a:t>web.xml -- 1</a:t>
+              <a:t>web.xml -- </a:t>
+            </a:r>
+            <a:r>
+              <a:rPr lang="en-GB" dirty="0"/>
+              <a:t>2</a:t>
             </a:r>
             <a:endParaRPr lang="en-GB" dirty="0"/>
           </a:p>
@@ -6706,7 +7242,6 @@
               <a:rPr lang="en-GB" dirty="0"/>
               <a:t>&gt;</a:t>
             </a:r>
-            <a:endParaRPr lang="en-GB" dirty="0"/>
           </a:p>
         </p:txBody>
       </p:sp>
@@ -6723,7 +7258,7 @@
 </p:sld>
 </file>
 
-<file path=ppt/slides/slide3.xml><?xml version="1.0" encoding="utf-8"?>
+<file path=ppt/slides/slide7.xml><?xml version="1.0" encoding="utf-8"?>
 <p:sld xmlns:a="http://schemas.openxmlformats.org/drawingml/2006/main" xmlns:r="http://schemas.openxmlformats.org/officeDocument/2006/relationships" xmlns:p="http://schemas.openxmlformats.org/presentationml/2006/main">
   <p:cSld>
     <p:spTree>
@@ -6752,8 +7287,8 @@
         </p:nvSpPr>
         <p:spPr>
           <a:xfrm>
-            <a:off x="646111" y="452718"/>
-            <a:ext cx="9404723" cy="789060"/>
+            <a:off x="2037029" y="2848188"/>
+            <a:ext cx="9404723" cy="1400530"/>
           </a:xfrm>
         </p:spPr>
         <p:txBody>
@@ -6761,133 +7296,10 @@
           <a:lstStyle/>
           <a:p>
             <a:r>
-              <a:rPr lang="en-GB" dirty="0"/>
-              <a:t>web.xml </a:t>
-            </a:r>
-            <a:r>
-              <a:rPr lang="en-GB" dirty="0" smtClean="0"/>
-              <a:t>– 2</a:t>
-            </a:r>
-            <a:endParaRPr lang="en-GB" dirty="0"/>
-          </a:p>
-        </p:txBody>
-      </p:sp>
-      <p:sp>
-        <p:nvSpPr>
-          <p:cNvPr id="4" name="内容占位符 2"/>
-          <p:cNvSpPr>
-            <a:spLocks noGrp="1"/>
-          </p:cNvSpPr>
-          <p:nvPr>
-            <p:ph idx="1"/>
-          </p:nvPr>
-        </p:nvSpPr>
-        <p:spPr>
-          <a:xfrm>
-            <a:off x="736422" y="1715910"/>
-            <a:ext cx="10411355" cy="3544711"/>
-          </a:xfrm>
-        </p:spPr>
-        <p:txBody>
-          <a:bodyPr>
-            <a:normAutofit/>
-          </a:bodyPr>
-          <a:lstStyle/>
-          <a:p>
-            <a:r>
-              <a:rPr lang="en-GB" dirty="0"/>
-              <a:t>&lt;filter&gt;</a:t>
-            </a:r>
-          </a:p>
-          <a:p>
-            <a:r>
-              <a:rPr lang="en-GB" dirty="0"/>
-              <a:t>&lt;filter-name&gt;</a:t>
-            </a:r>
-            <a:r>
-              <a:rPr lang="en-GB" dirty="0" err="1"/>
-              <a:t>springSecurityFilterChain</a:t>
-            </a:r>
-            <a:r>
-              <a:rPr lang="en-GB" dirty="0"/>
-              <a:t>&lt;/filter-name&gt;</a:t>
-            </a:r>
-          </a:p>
-          <a:p>
-            <a:r>
-              <a:rPr lang="en-GB" dirty="0"/>
-              <a:t>&lt;</a:t>
-            </a:r>
-            <a:r>
-              <a:rPr lang="en-GB" dirty="0" smtClean="0"/>
-              <a:t>filter-class&gt;</a:t>
-            </a:r>
-            <a:r>
-              <a:rPr lang="en-GB" dirty="0" err="1" smtClean="0"/>
-              <a:t>org.springframework.web.filter.DelegatingFilterProxy</a:t>
-            </a:r>
-            <a:r>
-              <a:rPr lang="en-GB" dirty="0"/>
-              <a:t>&lt;/filter-class&gt;</a:t>
-            </a:r>
-          </a:p>
-          <a:p>
-            <a:r>
-              <a:rPr lang="en-GB" dirty="0"/>
-              <a:t>&lt;/filter</a:t>
-            </a:r>
-            <a:r>
-              <a:rPr lang="en-GB" dirty="0" smtClean="0"/>
-              <a:t>&gt;</a:t>
-            </a:r>
-            <a:endParaRPr lang="en-GB" dirty="0"/>
-          </a:p>
-          <a:p>
-            <a:r>
-              <a:rPr lang="en-GB" dirty="0"/>
-              <a:t>&lt;filter-mapping&gt;</a:t>
-            </a:r>
-          </a:p>
-          <a:p>
-            <a:r>
-              <a:rPr lang="en-GB" dirty="0"/>
-              <a:t>&lt;filter-name&gt;</a:t>
-            </a:r>
-            <a:r>
-              <a:rPr lang="en-GB" dirty="0" err="1"/>
-              <a:t>springSecurityFilterChain</a:t>
-            </a:r>
-            <a:r>
-              <a:rPr lang="en-GB" dirty="0"/>
-              <a:t>&lt;/filter-name&gt;</a:t>
-            </a:r>
-          </a:p>
-          <a:p>
-            <a:r>
-              <a:rPr lang="en-GB" dirty="0"/>
-              <a:t>&lt;</a:t>
-            </a:r>
-            <a:r>
-              <a:rPr lang="en-GB" dirty="0" err="1"/>
-              <a:t>url</a:t>
-            </a:r>
-            <a:r>
-              <a:rPr lang="en-GB" dirty="0"/>
-              <a:t>-pattern&gt;/*&lt;/</a:t>
-            </a:r>
-            <a:r>
-              <a:rPr lang="en-GB" dirty="0" err="1"/>
-              <a:t>url</a:t>
-            </a:r>
-            <a:r>
-              <a:rPr lang="en-GB" dirty="0"/>
-              <a:t>-pattern&gt;</a:t>
-            </a:r>
-          </a:p>
-          <a:p>
-            <a:r>
-              <a:rPr lang="en-GB" dirty="0"/>
-              <a:t>&lt;/filter-mapping&gt;</a:t>
+              <a:rPr lang="en-GB" dirty="0" smtClean="0">
+                <a:hlinkClick r:id="rId2" action="ppaction://hlinkpres?slideindex=1&amp;slidetitle="/>
+              </a:rPr>
+              <a:t>spring-security.xml</a:t>
             </a:r>
             <a:endParaRPr lang="en-GB" dirty="0"/>
           </a:p>
@@ -6896,7 +7308,7 @@
     </p:spTree>
     <p:extLst>
       <p:ext uri="{BB962C8B-B14F-4D97-AF65-F5344CB8AC3E}">
-        <p14:creationId xmlns:p14="http://schemas.microsoft.com/office/powerpoint/2010/main" val="1334436883"/>
+        <p14:creationId xmlns:p14="http://schemas.microsoft.com/office/powerpoint/2010/main" val="1291188832"/>
       </p:ext>
     </p:extLst>
   </p:cSld>
@@ -6906,7 +7318,7 @@
 </p:sld>
 </file>
 
-<file path=ppt/slides/slide4.xml><?xml version="1.0" encoding="utf-8"?>
+<file path=ppt/slides/slide8.xml><?xml version="1.0" encoding="utf-8"?>
 <p:sld xmlns:a="http://schemas.openxmlformats.org/drawingml/2006/main" xmlns:r="http://schemas.openxmlformats.org/officeDocument/2006/relationships" xmlns:p="http://schemas.openxmlformats.org/presentationml/2006/main">
   <p:cSld>
     <p:spTree>
@@ -6933,39 +7345,21 @@
             <p:ph type="title"/>
           </p:nvPr>
         </p:nvSpPr>
-        <p:spPr/>
+        <p:spPr>
+          <a:xfrm>
+            <a:off x="1264297" y="2603489"/>
+            <a:ext cx="9404723" cy="770776"/>
+          </a:xfrm>
+        </p:spPr>
         <p:txBody>
           <a:bodyPr/>
           <a:lstStyle/>
           <a:p>
+            <a:pPr algn="ctr"/>
             <a:r>
               <a:rPr lang="en-GB" dirty="0" smtClean="0"/>
-              <a:t>spring-security.xml</a:t>
-            </a:r>
-            <a:endParaRPr lang="en-GB" dirty="0"/>
-          </a:p>
-        </p:txBody>
-      </p:sp>
-      <p:sp>
-        <p:nvSpPr>
-          <p:cNvPr id="3" name="内容占位符 2"/>
-          <p:cNvSpPr>
-            <a:spLocks noGrp="1"/>
-          </p:cNvSpPr>
-          <p:nvPr>
-            <p:ph idx="1"/>
-          </p:nvPr>
-        </p:nvSpPr>
-        <p:spPr>
-          <a:xfrm>
-            <a:off x="764645" y="1522340"/>
-            <a:ext cx="10377488" cy="4195481"/>
-          </a:xfrm>
-        </p:spPr>
-        <p:txBody>
-          <a:bodyPr/>
-          <a:lstStyle/>
-          <a:p>
+              <a:t>Start Tomcat</a:t>
+            </a:r>
             <a:endParaRPr lang="en-GB" dirty="0"/>
           </a:p>
         </p:txBody>
@@ -6973,7 +7367,7 @@
     </p:spTree>
     <p:extLst>
       <p:ext uri="{BB962C8B-B14F-4D97-AF65-F5344CB8AC3E}">
-        <p14:creationId xmlns:p14="http://schemas.microsoft.com/office/powerpoint/2010/main" val="1291188832"/>
+        <p14:creationId xmlns:p14="http://schemas.microsoft.com/office/powerpoint/2010/main" val="729891612"/>
       </p:ext>
     </p:extLst>
   </p:cSld>
